--- a/Week_4/Capstone Project_Exploring Sydney.pptx
+++ b/Week_4/Capstone Project_Exploring Sydney.pptx
@@ -4328,15 +4328,7 @@
             <a:pPr algn="just"/>
             <a:r>
               <a:rPr lang="en-AU" sz="2400" dirty="0" smtClean="0"/>
-              <a:t>The first dilemma we all face is where to live! To Rent or Buy, how many amenities </a:t>
-            </a:r>
-            <a:r>
-              <a:rPr lang="en-AU" sz="2400" dirty="0" smtClean="0"/>
-              <a:t>nearby, how safe an area is, what is population </a:t>
-            </a:r>
-            <a:r>
-              <a:rPr lang="en-AU" sz="2400" dirty="0" smtClean="0"/>
-              <a:t>and so on...</a:t>
+              <a:t>The first dilemma we all face is where to live! To Rent or Buy, how many amenities nearby, how safe an area is, what is population and so on...</a:t>
             </a:r>
           </a:p>
           <a:p>
@@ -4350,19 +4342,11 @@
             <a:pPr algn="just"/>
             <a:r>
               <a:rPr lang="en-AU" sz="2400" dirty="0" smtClean="0"/>
-              <a:t>Hence, </a:t>
-            </a:r>
-            <a:r>
-              <a:rPr lang="en-AU" sz="2400" dirty="0" smtClean="0"/>
-              <a:t>using personal experience (and lot of Data of course!) we will explore Greater Metropolitan Sydney region </a:t>
+              <a:t>Hence, using personal experience (and lot of Data of course!) we will explore Greater Metropolitan Sydney region </a:t>
             </a:r>
             <a:r>
               <a:rPr lang="en-AU" sz="2400" smtClean="0"/>
-              <a:t>of </a:t>
-            </a:r>
-            <a:r>
-              <a:rPr lang="en-AU" sz="2400" smtClean="0"/>
-              <a:t>Australia</a:t>
+              <a:t>of Australia</a:t>
             </a:r>
             <a:endParaRPr lang="en-AU" sz="2400" dirty="0" smtClean="0"/>
           </a:p>
@@ -4419,11 +4403,7 @@
           <a:p>
             <a:r>
               <a:rPr lang="en-AU" dirty="0" smtClean="0"/>
-              <a:t>Greater </a:t>
-            </a:r>
-            <a:r>
-              <a:rPr lang="en-AU" dirty="0" smtClean="0"/>
-              <a:t>Metropolitan Sydney</a:t>
+              <a:t>Greater Metropolitan Sydney</a:t>
             </a:r>
             <a:endParaRPr lang="en-US" dirty="0"/>
           </a:p>
@@ -4724,8 +4704,17 @@
             </a:pPr>
             <a:r>
               <a:rPr lang="en-AU" sz="1400" dirty="0" smtClean="0"/>
-              <a:t>Shape file of Sydney region</a:t>
-            </a:r>
+              <a:t>Shape file of Sydney </a:t>
+            </a:r>
+            <a:r>
+              <a:rPr lang="en-AU" sz="1400" dirty="0" smtClean="0"/>
+              <a:t>region (to plot geo maps and get co-ordinates </a:t>
+            </a:r>
+            <a:r>
+              <a:rPr lang="en-AU" sz="1400" smtClean="0"/>
+              <a:t>of neighbourhoods)</a:t>
+            </a:r>
+            <a:endParaRPr lang="en-AU" sz="1400" dirty="0" smtClean="0"/>
           </a:p>
           <a:p>
             <a:pPr marL="627063" indent="-177800" algn="just">
